--- a/04-CrMagOpt/Pictures/Spectras.pptx
+++ b/04-CrMagOpt/Pictures/Spectras.pptx
@@ -184,7 +184,7 @@
           <a:bodyPr lIns="0" rIns="0" tIns="0" bIns="0" anchor="b"/>
           <a:p>
             <a:pPr algn="r"/>
-            <a:fld id="{27888533-D571-4392-A919-FA71462E7124}" type="slidenum">
+            <a:fld id="{2D0C199A-ED1F-49C8-849D-C50E171224AC}" type="slidenum">
               <a:rPr lang="en-US" sz="1400">
                 <a:latin typeface="Times New Roman"/>
               </a:rPr>
@@ -266,7 +266,7 @@
                 <a:spcPct val="100000"/>
               </a:lnSpc>
             </a:pPr>
-            <a:fld id="{05A78851-5CB0-454A-A710-24D989809418}" type="slidenum">
+            <a:fld id="{76531E33-D128-4CB3-9BB0-36326B53F3C5}" type="slidenum">
               <a:rPr lang="en-US" sz="1200">
                 <a:solidFill>
                   <a:srgbClr val="000000"/>
@@ -1531,7 +1531,7 @@
                 </a:solidFill>
                 <a:latin typeface="Calibri"/>
               </a:rPr>
-              <a:t>4/6/17</a:t>
+              <a:t>4/25/17</a:t>
             </a:r>
             <a:endParaRPr/>
           </a:p>
@@ -1590,7 +1590,7 @@
                 <a:spcPct val="100000"/>
               </a:lnSpc>
             </a:pPr>
-            <a:fld id="{B3B08E3E-F971-424F-A0AA-53F37356F6EF}" type="slidenum">
+            <a:fld id="{BC9041FB-E3D0-4A3E-BB53-4E652A83BED2}" type="slidenum">
               <a:rPr lang="en-US" sz="1200">
                 <a:solidFill>
                   <a:srgbClr val="8b8b8b"/>
@@ -1763,20 +1763,21 @@
       </p:grpSpPr>
       <p:pic>
         <p:nvPicPr>
-          <p:cNvPr id="44" name="Picture 2" descr=""/>
+          <p:cNvPr id="44" name="Picture 7" descr=""/>
           <p:cNvPicPr/>
           <p:nvPr/>
         </p:nvPicPr>
         <p:blipFill>
           <a:blip r:embed="rId1"/>
+          <a:srcRect l="7405" t="0" r="0" b="0"/>
           <a:stretch>
             <a:fillRect/>
           </a:stretch>
         </p:blipFill>
         <p:spPr>
           <a:xfrm>
-            <a:off x="1332360" y="277200"/>
-            <a:ext cx="4086000" cy="4692240"/>
+            <a:off x="7938000" y="288000"/>
+            <a:ext cx="4843080" cy="4692240"/>
           </a:xfrm>
           <a:prstGeom prst="rect">
             <a:avLst/>
@@ -1788,7 +1789,7 @@
       </p:pic>
       <p:pic>
         <p:nvPicPr>
-          <p:cNvPr id="45" name="Picture 13" descr=""/>
+          <p:cNvPr id="45" name="Picture 2" descr=""/>
           <p:cNvPicPr/>
           <p:nvPr/>
         </p:nvPicPr>
@@ -1800,7 +1801,7 @@
         </p:blipFill>
         <p:spPr>
           <a:xfrm>
-            <a:off x="8407080" y="275760"/>
+            <a:off x="-81360" y="288000"/>
             <a:ext cx="4086000" cy="4692240"/>
           </a:xfrm>
           <a:prstGeom prst="rect">
@@ -1826,7 +1827,7 @@
         </p:blipFill>
         <p:spPr>
           <a:xfrm>
-            <a:off x="5202720" y="275760"/>
+            <a:off x="3983040" y="288000"/>
             <a:ext cx="3762000" cy="4692240"/>
           </a:xfrm>
           <a:prstGeom prst="rect">
@@ -1852,8 +1853,8 @@
         </p:blipFill>
         <p:spPr>
           <a:xfrm>
-            <a:off x="54360" y="345240"/>
-            <a:ext cx="2902320" cy="1508040"/>
+            <a:off x="7407720" y="360000"/>
+            <a:ext cx="3357360" cy="1744560"/>
           </a:xfrm>
           <a:prstGeom prst="rect">
             <a:avLst/>
@@ -1871,7 +1872,7 @@
         </p:nvSpPr>
         <p:spPr>
           <a:xfrm>
-            <a:off x="2032560" y="-29880"/>
+            <a:off x="425160" y="-29880"/>
             <a:ext cx="520920" cy="456120"/>
           </a:xfrm>
           <a:prstGeom prst="rect">
@@ -1911,7 +1912,7 @@
         </p:nvSpPr>
         <p:spPr>
           <a:xfrm>
-            <a:off x="5439240" y="-29880"/>
+            <a:off x="4219200" y="-29880"/>
             <a:ext cx="537840" cy="456120"/>
           </a:xfrm>
           <a:prstGeom prst="rect">
@@ -1951,7 +1952,7 @@
         </p:nvSpPr>
         <p:spPr>
           <a:xfrm>
-            <a:off x="9017280" y="-28800"/>
+            <a:off x="7797240" y="-28800"/>
             <a:ext cx="520920" cy="456120"/>
           </a:xfrm>
           <a:prstGeom prst="rect">
@@ -1991,7 +1992,7 @@
         </p:nvSpPr>
         <p:spPr>
           <a:xfrm>
-            <a:off x="5094720" y="1099440"/>
+            <a:off x="3875040" y="1099440"/>
             <a:ext cx="215640" cy="2563560"/>
           </a:xfrm>
           <a:prstGeom prst="rect">

--- a/04-CrMagOpt/Pictures/Spectras.pptx
+++ b/04-CrMagOpt/Pictures/Spectras.pptx
@@ -1,22 +1,409 @@
 
 <file path=ppt/presentation.xml><?xml version="1.0" encoding="utf-8"?>
-<p:presentation xmlns:a="http://schemas.openxmlformats.org/drawingml/2006/main" xmlns:p="http://schemas.openxmlformats.org/presentationml/2006/main" xmlns:r="http://schemas.openxmlformats.org/officeDocument/2006/relationships">
+<p:presentation xmlns:a="http://schemas.openxmlformats.org/drawingml/2006/main" xmlns:r="http://schemas.openxmlformats.org/officeDocument/2006/relationships" xmlns:p="http://schemas.openxmlformats.org/presentationml/2006/main">
   <p:sldMasterIdLst>
-    <p:sldMasterId id="2147483648" r:id="rId2"/>
+    <p:sldMasterId id="2147483648" r:id="rId1"/>
   </p:sldMasterIdLst>
   <p:notesMasterIdLst>
     <p:notesMasterId r:id="rId3"/>
   </p:notesMasterIdLst>
   <p:sldIdLst>
-    <p:sldId id="256" r:id="rId4"/>
+    <p:sldId id="256" r:id="rId2"/>
   </p:sldIdLst>
-  <p:sldSz cx="12601575" cy="5040312"/>
+  <p:sldSz cx="12601575" cy="5040313"/>
   <p:notesSz cx="6858000" cy="9144000"/>
+  <p:defaultTextStyle>
+    <a:defPPr>
+      <a:defRPr lang="fr-FR"/>
+    </a:defPPr>
+    <a:lvl1pPr marL="0" algn="l" defTabSz="914400" rtl="0" eaLnBrk="1" latinLnBrk="0" hangingPunct="1">
+      <a:defRPr sz="1800" kern="1200">
+        <a:solidFill>
+          <a:schemeClr val="tx1"/>
+        </a:solidFill>
+        <a:latin typeface="+mn-lt"/>
+        <a:ea typeface="+mn-ea"/>
+        <a:cs typeface="+mn-cs"/>
+      </a:defRPr>
+    </a:lvl1pPr>
+    <a:lvl2pPr marL="457200" algn="l" defTabSz="914400" rtl="0" eaLnBrk="1" latinLnBrk="0" hangingPunct="1">
+      <a:defRPr sz="1800" kern="1200">
+        <a:solidFill>
+          <a:schemeClr val="tx1"/>
+        </a:solidFill>
+        <a:latin typeface="+mn-lt"/>
+        <a:ea typeface="+mn-ea"/>
+        <a:cs typeface="+mn-cs"/>
+      </a:defRPr>
+    </a:lvl2pPr>
+    <a:lvl3pPr marL="914400" algn="l" defTabSz="914400" rtl="0" eaLnBrk="1" latinLnBrk="0" hangingPunct="1">
+      <a:defRPr sz="1800" kern="1200">
+        <a:solidFill>
+          <a:schemeClr val="tx1"/>
+        </a:solidFill>
+        <a:latin typeface="+mn-lt"/>
+        <a:ea typeface="+mn-ea"/>
+        <a:cs typeface="+mn-cs"/>
+      </a:defRPr>
+    </a:lvl3pPr>
+    <a:lvl4pPr marL="1371600" algn="l" defTabSz="914400" rtl="0" eaLnBrk="1" latinLnBrk="0" hangingPunct="1">
+      <a:defRPr sz="1800" kern="1200">
+        <a:solidFill>
+          <a:schemeClr val="tx1"/>
+        </a:solidFill>
+        <a:latin typeface="+mn-lt"/>
+        <a:ea typeface="+mn-ea"/>
+        <a:cs typeface="+mn-cs"/>
+      </a:defRPr>
+    </a:lvl4pPr>
+    <a:lvl5pPr marL="1828800" algn="l" defTabSz="914400" rtl="0" eaLnBrk="1" latinLnBrk="0" hangingPunct="1">
+      <a:defRPr sz="1800" kern="1200">
+        <a:solidFill>
+          <a:schemeClr val="tx1"/>
+        </a:solidFill>
+        <a:latin typeface="+mn-lt"/>
+        <a:ea typeface="+mn-ea"/>
+        <a:cs typeface="+mn-cs"/>
+      </a:defRPr>
+    </a:lvl5pPr>
+    <a:lvl6pPr marL="2286000" algn="l" defTabSz="914400" rtl="0" eaLnBrk="1" latinLnBrk="0" hangingPunct="1">
+      <a:defRPr sz="1800" kern="1200">
+        <a:solidFill>
+          <a:schemeClr val="tx1"/>
+        </a:solidFill>
+        <a:latin typeface="+mn-lt"/>
+        <a:ea typeface="+mn-ea"/>
+        <a:cs typeface="+mn-cs"/>
+      </a:defRPr>
+    </a:lvl6pPr>
+    <a:lvl7pPr marL="2743200" algn="l" defTabSz="914400" rtl="0" eaLnBrk="1" latinLnBrk="0" hangingPunct="1">
+      <a:defRPr sz="1800" kern="1200">
+        <a:solidFill>
+          <a:schemeClr val="tx1"/>
+        </a:solidFill>
+        <a:latin typeface="+mn-lt"/>
+        <a:ea typeface="+mn-ea"/>
+        <a:cs typeface="+mn-cs"/>
+      </a:defRPr>
+    </a:lvl7pPr>
+    <a:lvl8pPr marL="3200400" algn="l" defTabSz="914400" rtl="0" eaLnBrk="1" latinLnBrk="0" hangingPunct="1">
+      <a:defRPr sz="1800" kern="1200">
+        <a:solidFill>
+          <a:schemeClr val="tx1"/>
+        </a:solidFill>
+        <a:latin typeface="+mn-lt"/>
+        <a:ea typeface="+mn-ea"/>
+        <a:cs typeface="+mn-cs"/>
+      </a:defRPr>
+    </a:lvl8pPr>
+    <a:lvl9pPr marL="3657600" algn="l" defTabSz="914400" rtl="0" eaLnBrk="1" latinLnBrk="0" hangingPunct="1">
+      <a:defRPr sz="1800" kern="1200">
+        <a:solidFill>
+          <a:schemeClr val="tx1"/>
+        </a:solidFill>
+        <a:latin typeface="+mn-lt"/>
+        <a:ea typeface="+mn-ea"/>
+        <a:cs typeface="+mn-cs"/>
+      </a:defRPr>
+    </a:lvl9pPr>
+  </p:defaultTextStyle>
 </p:presentation>
 </file>
 
 <file path=ppt/notesMasters/notesMaster1.xml><?xml version="1.0" encoding="utf-8"?>
-<p:notesMaster xmlns:a="http://schemas.openxmlformats.org/drawingml/2006/main" xmlns:p="http://schemas.openxmlformats.org/presentationml/2006/main" xmlns:r="http://schemas.openxmlformats.org/officeDocument/2006/relationships">
+<p:notesMaster xmlns:a="http://schemas.openxmlformats.org/drawingml/2006/main" xmlns:r="http://schemas.openxmlformats.org/officeDocument/2006/relationships" xmlns:p="http://schemas.openxmlformats.org/presentationml/2006/main">
+  <p:cSld>
+    <p:bg>
+      <p:bgRef idx="1001">
+        <a:schemeClr val="bg1"/>
+      </p:bgRef>
+    </p:bg>
+    <p:spTree>
+      <p:nvGrpSpPr>
+        <p:cNvPr id="1" name=""/>
+        <p:cNvGrpSpPr/>
+        <p:nvPr/>
+      </p:nvGrpSpPr>
+      <p:grpSpPr>
+        <a:xfrm>
+          <a:off x="0" y="0"/>
+          <a:ext cx="0" cy="0"/>
+          <a:chOff x="0" y="0"/>
+          <a:chExt cx="0" cy="0"/>
+        </a:xfrm>
+      </p:grpSpPr>
+      <p:sp>
+        <p:nvSpPr>
+          <p:cNvPr id="39" name="PlaceHolder 1"/>
+          <p:cNvSpPr>
+            <a:spLocks noGrp="1"/>
+          </p:cNvSpPr>
+          <p:nvPr>
+            <p:ph type="body"/>
+          </p:nvPr>
+        </p:nvSpPr>
+        <p:spPr>
+          <a:xfrm>
+            <a:off x="756000" y="5078520"/>
+            <a:ext cx="6047640" cy="4811040"/>
+          </a:xfrm>
+          <a:prstGeom prst="rect">
+            <a:avLst/>
+          </a:prstGeom>
+        </p:spPr>
+        <p:txBody>
+          <a:bodyPr lIns="0" tIns="0" rIns="0" bIns="0"/>
+          <a:lstStyle/>
+          <a:p>
+            <a:r>
+              <a:rPr lang="en-US" sz="2000">
+                <a:latin typeface="Arial"/>
+              </a:rPr>
+              <a:t>Click to edit the notes format</a:t>
+            </a:r>
+            <a:endParaRPr/>
+          </a:p>
+        </p:txBody>
+      </p:sp>
+      <p:sp>
+        <p:nvSpPr>
+          <p:cNvPr id="40" name="PlaceHolder 2"/>
+          <p:cNvSpPr>
+            <a:spLocks noGrp="1"/>
+          </p:cNvSpPr>
+          <p:nvPr>
+            <p:ph type="hdr"/>
+          </p:nvPr>
+        </p:nvSpPr>
+        <p:spPr>
+          <a:xfrm>
+            <a:off x="0" y="0"/>
+            <a:ext cx="3280680" cy="534240"/>
+          </a:xfrm>
+          <a:prstGeom prst="rect">
+            <a:avLst/>
+          </a:prstGeom>
+        </p:spPr>
+        <p:txBody>
+          <a:bodyPr lIns="0" tIns="0" rIns="0" bIns="0"/>
+          <a:lstStyle/>
+          <a:p>
+            <a:r>
+              <a:rPr lang="en-US" sz="1400">
+                <a:latin typeface="Times New Roman"/>
+              </a:rPr>
+              <a:t>&lt;header&gt;</a:t>
+            </a:r>
+            <a:endParaRPr/>
+          </a:p>
+        </p:txBody>
+      </p:sp>
+      <p:sp>
+        <p:nvSpPr>
+          <p:cNvPr id="41" name="PlaceHolder 3"/>
+          <p:cNvSpPr>
+            <a:spLocks noGrp="1"/>
+          </p:cNvSpPr>
+          <p:nvPr>
+            <p:ph type="dt"/>
+          </p:nvPr>
+        </p:nvSpPr>
+        <p:spPr>
+          <a:xfrm>
+            <a:off x="4278960" y="0"/>
+            <a:ext cx="3280680" cy="534240"/>
+          </a:xfrm>
+          <a:prstGeom prst="rect">
+            <a:avLst/>
+          </a:prstGeom>
+        </p:spPr>
+        <p:txBody>
+          <a:bodyPr lIns="0" tIns="0" rIns="0" bIns="0"/>
+          <a:lstStyle/>
+          <a:p>
+            <a:pPr algn="r"/>
+            <a:r>
+              <a:rPr lang="en-US" sz="1400">
+                <a:latin typeface="Times New Roman"/>
+              </a:rPr>
+              <a:t>&lt;date/time&gt;</a:t>
+            </a:r>
+            <a:endParaRPr/>
+          </a:p>
+        </p:txBody>
+      </p:sp>
+      <p:sp>
+        <p:nvSpPr>
+          <p:cNvPr id="42" name="PlaceHolder 4"/>
+          <p:cNvSpPr>
+            <a:spLocks noGrp="1"/>
+          </p:cNvSpPr>
+          <p:nvPr>
+            <p:ph type="ftr"/>
+          </p:nvPr>
+        </p:nvSpPr>
+        <p:spPr>
+          <a:xfrm>
+            <a:off x="0" y="10157400"/>
+            <a:ext cx="3280680" cy="534240"/>
+          </a:xfrm>
+          <a:prstGeom prst="rect">
+            <a:avLst/>
+          </a:prstGeom>
+        </p:spPr>
+        <p:txBody>
+          <a:bodyPr lIns="0" tIns="0" rIns="0" bIns="0" anchor="b"/>
+          <a:lstStyle/>
+          <a:p>
+            <a:r>
+              <a:rPr lang="en-US" sz="1400">
+                <a:latin typeface="Times New Roman"/>
+              </a:rPr>
+              <a:t>&lt;footer&gt;</a:t>
+            </a:r>
+            <a:endParaRPr/>
+          </a:p>
+        </p:txBody>
+      </p:sp>
+      <p:sp>
+        <p:nvSpPr>
+          <p:cNvPr id="43" name="PlaceHolder 5"/>
+          <p:cNvSpPr>
+            <a:spLocks noGrp="1"/>
+          </p:cNvSpPr>
+          <p:nvPr>
+            <p:ph type="sldNum"/>
+          </p:nvPr>
+        </p:nvSpPr>
+        <p:spPr>
+          <a:xfrm>
+            <a:off x="4278960" y="10157400"/>
+            <a:ext cx="3280680" cy="534240"/>
+          </a:xfrm>
+          <a:prstGeom prst="rect">
+            <a:avLst/>
+          </a:prstGeom>
+        </p:spPr>
+        <p:txBody>
+          <a:bodyPr lIns="0" tIns="0" rIns="0" bIns="0" anchor="b"/>
+          <a:lstStyle/>
+          <a:p>
+            <a:pPr algn="r"/>
+            <a:fld id="{2D0C199A-ED1F-49C8-849D-C50E171224AC}" type="slidenum">
+              <a:rPr lang="en-US" sz="1400">
+                <a:latin typeface="Times New Roman"/>
+              </a:rPr>
+              <a:t>‹N°›</a:t>
+            </a:fld>
+            <a:endParaRPr/>
+          </a:p>
+        </p:txBody>
+      </p:sp>
+    </p:spTree>
+    <p:extLst>
+      <p:ext uri="{BB962C8B-B14F-4D97-AF65-F5344CB8AC3E}">
+        <p14:creationId xmlns:p14="http://schemas.microsoft.com/office/powerpoint/2010/main" val="576297520"/>
+      </p:ext>
+    </p:extLst>
+  </p:cSld>
+  <p:clrMap bg1="lt1" tx1="dk1" bg2="lt2" tx2="dk2" accent1="accent1" accent2="accent2" accent3="accent3" accent4="accent4" accent5="accent5" accent6="accent6" hlink="hlink" folHlink="folHlink"/>
+  <p:notesStyle>
+    <a:lvl1pPr marL="0" algn="l" defTabSz="914400" rtl="0" eaLnBrk="1" latinLnBrk="0" hangingPunct="1">
+      <a:defRPr sz="1200" kern="1200">
+        <a:solidFill>
+          <a:schemeClr val="tx1"/>
+        </a:solidFill>
+        <a:latin typeface="+mn-lt"/>
+        <a:ea typeface="+mn-ea"/>
+        <a:cs typeface="+mn-cs"/>
+      </a:defRPr>
+    </a:lvl1pPr>
+    <a:lvl2pPr marL="457200" algn="l" defTabSz="914400" rtl="0" eaLnBrk="1" latinLnBrk="0" hangingPunct="1">
+      <a:defRPr sz="1200" kern="1200">
+        <a:solidFill>
+          <a:schemeClr val="tx1"/>
+        </a:solidFill>
+        <a:latin typeface="+mn-lt"/>
+        <a:ea typeface="+mn-ea"/>
+        <a:cs typeface="+mn-cs"/>
+      </a:defRPr>
+    </a:lvl2pPr>
+    <a:lvl3pPr marL="914400" algn="l" defTabSz="914400" rtl="0" eaLnBrk="1" latinLnBrk="0" hangingPunct="1">
+      <a:defRPr sz="1200" kern="1200">
+        <a:solidFill>
+          <a:schemeClr val="tx1"/>
+        </a:solidFill>
+        <a:latin typeface="+mn-lt"/>
+        <a:ea typeface="+mn-ea"/>
+        <a:cs typeface="+mn-cs"/>
+      </a:defRPr>
+    </a:lvl3pPr>
+    <a:lvl4pPr marL="1371600" algn="l" defTabSz="914400" rtl="0" eaLnBrk="1" latinLnBrk="0" hangingPunct="1">
+      <a:defRPr sz="1200" kern="1200">
+        <a:solidFill>
+          <a:schemeClr val="tx1"/>
+        </a:solidFill>
+        <a:latin typeface="+mn-lt"/>
+        <a:ea typeface="+mn-ea"/>
+        <a:cs typeface="+mn-cs"/>
+      </a:defRPr>
+    </a:lvl4pPr>
+    <a:lvl5pPr marL="1828800" algn="l" defTabSz="914400" rtl="0" eaLnBrk="1" latinLnBrk="0" hangingPunct="1">
+      <a:defRPr sz="1200" kern="1200">
+        <a:solidFill>
+          <a:schemeClr val="tx1"/>
+        </a:solidFill>
+        <a:latin typeface="+mn-lt"/>
+        <a:ea typeface="+mn-ea"/>
+        <a:cs typeface="+mn-cs"/>
+      </a:defRPr>
+    </a:lvl5pPr>
+    <a:lvl6pPr marL="2286000" algn="l" defTabSz="914400" rtl="0" eaLnBrk="1" latinLnBrk="0" hangingPunct="1">
+      <a:defRPr sz="1200" kern="1200">
+        <a:solidFill>
+          <a:schemeClr val="tx1"/>
+        </a:solidFill>
+        <a:latin typeface="+mn-lt"/>
+        <a:ea typeface="+mn-ea"/>
+        <a:cs typeface="+mn-cs"/>
+      </a:defRPr>
+    </a:lvl6pPr>
+    <a:lvl7pPr marL="2743200" algn="l" defTabSz="914400" rtl="0" eaLnBrk="1" latinLnBrk="0" hangingPunct="1">
+      <a:defRPr sz="1200" kern="1200">
+        <a:solidFill>
+          <a:schemeClr val="tx1"/>
+        </a:solidFill>
+        <a:latin typeface="+mn-lt"/>
+        <a:ea typeface="+mn-ea"/>
+        <a:cs typeface="+mn-cs"/>
+      </a:defRPr>
+    </a:lvl7pPr>
+    <a:lvl8pPr marL="3200400" algn="l" defTabSz="914400" rtl="0" eaLnBrk="1" latinLnBrk="0" hangingPunct="1">
+      <a:defRPr sz="1200" kern="1200">
+        <a:solidFill>
+          <a:schemeClr val="tx1"/>
+        </a:solidFill>
+        <a:latin typeface="+mn-lt"/>
+        <a:ea typeface="+mn-ea"/>
+        <a:cs typeface="+mn-cs"/>
+      </a:defRPr>
+    </a:lvl8pPr>
+    <a:lvl9pPr marL="3657600" algn="l" defTabSz="914400" rtl="0" eaLnBrk="1" latinLnBrk="0" hangingPunct="1">
+      <a:defRPr sz="1200" kern="1200">
+        <a:solidFill>
+          <a:schemeClr val="tx1"/>
+        </a:solidFill>
+        <a:latin typeface="+mn-lt"/>
+        <a:ea typeface="+mn-ea"/>
+        <a:cs typeface="+mn-cs"/>
+      </a:defRPr>
+    </a:lvl9pPr>
+  </p:notesStyle>
+</p:notesMaster>
+</file>
+
+<file path=ppt/notesSlides/notesSlide1.xml><?xml version="1.0" encoding="utf-8"?>
+<p:notes xmlns:a="http://schemas.openxmlformats.org/drawingml/2006/main" xmlns:r="http://schemas.openxmlformats.org/officeDocument/2006/relationships" xmlns:p="http://schemas.openxmlformats.org/presentationml/2006/main">
   <p:cSld>
     <p:spTree>
       <p:nvGrpSpPr>
@@ -34,191 +421,6 @@
       </p:grpSpPr>
       <p:sp>
         <p:nvSpPr>
-          <p:cNvPr id="39" name="PlaceHolder 1"/>
-          <p:cNvSpPr>
-            <a:spLocks noGrp="1"/>
-          </p:cNvSpPr>
-          <p:nvPr>
-            <p:ph type="body"/>
-          </p:nvPr>
-        </p:nvSpPr>
-        <p:spPr>
-          <a:xfrm>
-            <a:off x="756000" y="5078520"/>
-            <a:ext cx="6047640" cy="4811040"/>
-          </a:xfrm>
-          <a:prstGeom prst="rect">
-            <a:avLst/>
-          </a:prstGeom>
-        </p:spPr>
-        <p:txBody>
-          <a:bodyPr lIns="0" rIns="0" tIns="0" bIns="0"/>
-          <a:p>
-            <a:r>
-              <a:rPr lang="en-US" sz="2000">
-                <a:latin typeface="Arial"/>
-              </a:rPr>
-              <a:t>Click to edit the notes format</a:t>
-            </a:r>
-            <a:endParaRPr/>
-          </a:p>
-        </p:txBody>
-      </p:sp>
-      <p:sp>
-        <p:nvSpPr>
-          <p:cNvPr id="40" name="PlaceHolder 2"/>
-          <p:cNvSpPr>
-            <a:spLocks noGrp="1"/>
-          </p:cNvSpPr>
-          <p:nvPr>
-            <p:ph type="hdr"/>
-          </p:nvPr>
-        </p:nvSpPr>
-        <p:spPr>
-          <a:xfrm>
-            <a:off x="0" y="0"/>
-            <a:ext cx="3280680" cy="534240"/>
-          </a:xfrm>
-          <a:prstGeom prst="rect">
-            <a:avLst/>
-          </a:prstGeom>
-        </p:spPr>
-        <p:txBody>
-          <a:bodyPr lIns="0" rIns="0" tIns="0" bIns="0"/>
-          <a:p>
-            <a:r>
-              <a:rPr lang="en-US" sz="1400">
-                <a:latin typeface="Times New Roman"/>
-              </a:rPr>
-              <a:t>&lt;header&gt;</a:t>
-            </a:r>
-            <a:endParaRPr/>
-          </a:p>
-        </p:txBody>
-      </p:sp>
-      <p:sp>
-        <p:nvSpPr>
-          <p:cNvPr id="41" name="PlaceHolder 3"/>
-          <p:cNvSpPr>
-            <a:spLocks noGrp="1"/>
-          </p:cNvSpPr>
-          <p:nvPr>
-            <p:ph type="dt"/>
-          </p:nvPr>
-        </p:nvSpPr>
-        <p:spPr>
-          <a:xfrm>
-            <a:off x="4278960" y="0"/>
-            <a:ext cx="3280680" cy="534240"/>
-          </a:xfrm>
-          <a:prstGeom prst="rect">
-            <a:avLst/>
-          </a:prstGeom>
-        </p:spPr>
-        <p:txBody>
-          <a:bodyPr lIns="0" rIns="0" tIns="0" bIns="0"/>
-          <a:p>
-            <a:pPr algn="r"/>
-            <a:r>
-              <a:rPr lang="en-US" sz="1400">
-                <a:latin typeface="Times New Roman"/>
-              </a:rPr>
-              <a:t>&lt;date/time&gt;</a:t>
-            </a:r>
-            <a:endParaRPr/>
-          </a:p>
-        </p:txBody>
-      </p:sp>
-      <p:sp>
-        <p:nvSpPr>
-          <p:cNvPr id="42" name="PlaceHolder 4"/>
-          <p:cNvSpPr>
-            <a:spLocks noGrp="1"/>
-          </p:cNvSpPr>
-          <p:nvPr>
-            <p:ph type="ftr"/>
-          </p:nvPr>
-        </p:nvSpPr>
-        <p:spPr>
-          <a:xfrm>
-            <a:off x="0" y="10157400"/>
-            <a:ext cx="3280680" cy="534240"/>
-          </a:xfrm>
-          <a:prstGeom prst="rect">
-            <a:avLst/>
-          </a:prstGeom>
-        </p:spPr>
-        <p:txBody>
-          <a:bodyPr lIns="0" rIns="0" tIns="0" bIns="0" anchor="b"/>
-          <a:p>
-            <a:r>
-              <a:rPr lang="en-US" sz="1400">
-                <a:latin typeface="Times New Roman"/>
-              </a:rPr>
-              <a:t>&lt;footer&gt;</a:t>
-            </a:r>
-            <a:endParaRPr/>
-          </a:p>
-        </p:txBody>
-      </p:sp>
-      <p:sp>
-        <p:nvSpPr>
-          <p:cNvPr id="43" name="PlaceHolder 5"/>
-          <p:cNvSpPr>
-            <a:spLocks noGrp="1"/>
-          </p:cNvSpPr>
-          <p:nvPr>
-            <p:ph type="sldNum"/>
-          </p:nvPr>
-        </p:nvSpPr>
-        <p:spPr>
-          <a:xfrm>
-            <a:off x="4278960" y="10157400"/>
-            <a:ext cx="3280680" cy="534240"/>
-          </a:xfrm>
-          <a:prstGeom prst="rect">
-            <a:avLst/>
-          </a:prstGeom>
-        </p:spPr>
-        <p:txBody>
-          <a:bodyPr lIns="0" rIns="0" tIns="0" bIns="0" anchor="b"/>
-          <a:p>
-            <a:pPr algn="r"/>
-            <a:fld id="{2D0C199A-ED1F-49C8-849D-C50E171224AC}" type="slidenum">
-              <a:rPr lang="en-US" sz="1400">
-                <a:latin typeface="Times New Roman"/>
-              </a:rPr>
-              <a:t>&lt;number&gt;</a:t>
-            </a:fld>
-            <a:endParaRPr/>
-          </a:p>
-        </p:txBody>
-      </p:sp>
-    </p:spTree>
-  </p:cSld>
-  <p:clrMap bg1="lt1" bg2="lt2" tx1="dk1" tx2="dk2" accent1="accent1" accent2="accent2" accent3="accent3" accent4="accent4" accent5="accent5" accent6="accent6" hlink="hlink" folHlink="folHlink"/>
-</p:notesMaster>
-</file>
-
-<file path=ppt/notesSlides/notesSlide1.xml><?xml version="1.0" encoding="utf-8"?>
-<p:notes xmlns:a="http://schemas.openxmlformats.org/drawingml/2006/main" xmlns:p="http://schemas.openxmlformats.org/presentationml/2006/main" xmlns:r="http://schemas.openxmlformats.org/officeDocument/2006/relationships">
-  <p:cSld>
-    <p:spTree>
-      <p:nvGrpSpPr>
-        <p:cNvPr id="1" name=""/>
-        <p:cNvGrpSpPr/>
-        <p:nvPr/>
-      </p:nvGrpSpPr>
-      <p:grpSpPr>
-        <a:xfrm>
-          <a:off x="0" y="0"/>
-          <a:ext cx="0" cy="0"/>
-          <a:chOff x="0" y="0"/>
-          <a:chExt cx="0" cy="0"/>
-        </a:xfrm>
-      </p:grpSpPr>
-      <p:sp>
-        <p:nvSpPr>
           <p:cNvPr id="52" name="PlaceHolder 1"/>
           <p:cNvSpPr>
             <a:spLocks noGrp="1"/>
@@ -238,6 +440,7 @@
         </p:spPr>
         <p:txBody>
           <a:bodyPr/>
+          <a:lstStyle/>
           <a:p>
             <a:endParaRPr/>
           </a:p>
@@ -260,6 +463,7 @@
         </p:spPr>
         <p:txBody>
           <a:bodyPr anchor="b"/>
+          <a:lstStyle/>
           <a:p>
             <a:pPr algn="r">
               <a:lnSpc>
@@ -274,7 +478,7 @@
                 <a:latin typeface="+mn-lt"/>
                 <a:ea typeface="+mn-ea"/>
               </a:rPr>
-              <a:t>&lt;number&gt;</a:t>
+              <a:t>1</a:t>
             </a:fld>
             <a:endParaRPr/>
           </a:p>
@@ -282,11 +486,14 @@
       </p:sp>
     </p:spTree>
   </p:cSld>
+  <p:clrMapOvr>
+    <a:masterClrMapping/>
+  </p:clrMapOvr>
 </p:notes>
 </file>
 
 <file path=ppt/slideLayouts/slideLayout1.xml><?xml version="1.0" encoding="utf-8"?>
-<p:sldLayout xmlns:a="http://schemas.openxmlformats.org/drawingml/2006/main" xmlns:p="http://schemas.openxmlformats.org/presentationml/2006/main" xmlns:r="http://schemas.openxmlformats.org/officeDocument/2006/relationships" type="blank" preserve="1">
+<p:sldLayout xmlns:a="http://schemas.openxmlformats.org/drawingml/2006/main" xmlns:r="http://schemas.openxmlformats.org/officeDocument/2006/relationships" xmlns:p="http://schemas.openxmlformats.org/presentationml/2006/main" type="blank" preserve="1">
   <p:cSld name="Blank Slide">
     <p:spTree>
       <p:nvGrpSpPr>
@@ -304,11 +511,14 @@
       </p:grpSpPr>
     </p:spTree>
   </p:cSld>
+  <p:clrMapOvr>
+    <a:masterClrMapping/>
+  </p:clrMapOvr>
 </p:sldLayout>
 </file>
 
 <file path=ppt/slideLayouts/slideLayout10.xml><?xml version="1.0" encoding="utf-8"?>
-<p:sldLayout xmlns:a="http://schemas.openxmlformats.org/drawingml/2006/main" xmlns:p="http://schemas.openxmlformats.org/presentationml/2006/main" xmlns:r="http://schemas.openxmlformats.org/officeDocument/2006/relationships" type="objOverTx" preserve="1">
+<p:sldLayout xmlns:a="http://schemas.openxmlformats.org/drawingml/2006/main" xmlns:r="http://schemas.openxmlformats.org/officeDocument/2006/relationships" xmlns:p="http://schemas.openxmlformats.org/presentationml/2006/main" type="objOverTx" preserve="1">
   <p:cSld name="Title, Content over Content">
     <p:spTree>
       <p:nvGrpSpPr>
@@ -344,7 +554,8 @@
           </a:prstGeom>
         </p:spPr>
         <p:txBody>
-          <a:bodyPr lIns="0" rIns="0" tIns="0" bIns="0" anchor="ctr"/>
+          <a:bodyPr lIns="0" tIns="0" rIns="0" bIns="0" anchor="ctr"/>
+          <a:lstStyle/>
           <a:p>
             <a:endParaRPr/>
           </a:p>
@@ -370,7 +581,8 @@
           </a:prstGeom>
         </p:spPr>
         <p:txBody>
-          <a:bodyPr lIns="0" rIns="0" tIns="0" bIns="0"/>
+          <a:bodyPr lIns="0" tIns="0" rIns="0" bIns="0"/>
+          <a:lstStyle/>
           <a:p>
             <a:endParaRPr/>
           </a:p>
@@ -396,7 +608,8 @@
           </a:prstGeom>
         </p:spPr>
         <p:txBody>
-          <a:bodyPr lIns="0" rIns="0" tIns="0" bIns="0"/>
+          <a:bodyPr lIns="0" tIns="0" rIns="0" bIns="0"/>
+          <a:lstStyle/>
           <a:p>
             <a:endParaRPr/>
           </a:p>
@@ -404,11 +617,14 @@
       </p:sp>
     </p:spTree>
   </p:cSld>
+  <p:clrMapOvr>
+    <a:masterClrMapping/>
+  </p:clrMapOvr>
 </p:sldLayout>
 </file>
 
 <file path=ppt/slideLayouts/slideLayout11.xml><?xml version="1.0" encoding="utf-8"?>
-<p:sldLayout xmlns:a="http://schemas.openxmlformats.org/drawingml/2006/main" xmlns:p="http://schemas.openxmlformats.org/presentationml/2006/main" xmlns:r="http://schemas.openxmlformats.org/officeDocument/2006/relationships" type="fourObj" preserve="1">
+<p:sldLayout xmlns:a="http://schemas.openxmlformats.org/drawingml/2006/main" xmlns:r="http://schemas.openxmlformats.org/officeDocument/2006/relationships" xmlns:p="http://schemas.openxmlformats.org/presentationml/2006/main" type="fourObj" preserve="1">
   <p:cSld name="Title, 4 Content">
     <p:spTree>
       <p:nvGrpSpPr>
@@ -444,7 +660,8 @@
           </a:prstGeom>
         </p:spPr>
         <p:txBody>
-          <a:bodyPr lIns="0" rIns="0" tIns="0" bIns="0" anchor="ctr"/>
+          <a:bodyPr lIns="0" tIns="0" rIns="0" bIns="0" anchor="ctr"/>
+          <a:lstStyle/>
           <a:p>
             <a:endParaRPr/>
           </a:p>
@@ -470,7 +687,8 @@
           </a:prstGeom>
         </p:spPr>
         <p:txBody>
-          <a:bodyPr lIns="0" rIns="0" tIns="0" bIns="0"/>
+          <a:bodyPr lIns="0" tIns="0" rIns="0" bIns="0"/>
+          <a:lstStyle/>
           <a:p>
             <a:endParaRPr/>
           </a:p>
@@ -496,7 +714,8 @@
           </a:prstGeom>
         </p:spPr>
         <p:txBody>
-          <a:bodyPr lIns="0" rIns="0" tIns="0" bIns="0"/>
+          <a:bodyPr lIns="0" tIns="0" rIns="0" bIns="0"/>
+          <a:lstStyle/>
           <a:p>
             <a:endParaRPr/>
           </a:p>
@@ -522,7 +741,8 @@
           </a:prstGeom>
         </p:spPr>
         <p:txBody>
-          <a:bodyPr lIns="0" rIns="0" tIns="0" bIns="0"/>
+          <a:bodyPr lIns="0" tIns="0" rIns="0" bIns="0"/>
+          <a:lstStyle/>
           <a:p>
             <a:endParaRPr/>
           </a:p>
@@ -548,7 +768,8 @@
           </a:prstGeom>
         </p:spPr>
         <p:txBody>
-          <a:bodyPr lIns="0" rIns="0" tIns="0" bIns="0"/>
+          <a:bodyPr lIns="0" tIns="0" rIns="0" bIns="0"/>
+          <a:lstStyle/>
           <a:p>
             <a:endParaRPr/>
           </a:p>
@@ -556,11 +777,14 @@
       </p:sp>
     </p:spTree>
   </p:cSld>
+  <p:clrMapOvr>
+    <a:masterClrMapping/>
+  </p:clrMapOvr>
 </p:sldLayout>
 </file>
 
 <file path=ppt/slideLayouts/slideLayout12.xml><?xml version="1.0" encoding="utf-8"?>
-<p:sldLayout xmlns:a="http://schemas.openxmlformats.org/drawingml/2006/main" xmlns:p="http://schemas.openxmlformats.org/presentationml/2006/main" xmlns:r="http://schemas.openxmlformats.org/officeDocument/2006/relationships" type="blank" preserve="1">
+<p:sldLayout xmlns:a="http://schemas.openxmlformats.org/drawingml/2006/main" xmlns:r="http://schemas.openxmlformats.org/officeDocument/2006/relationships" xmlns:p="http://schemas.openxmlformats.org/presentationml/2006/main" type="blank" preserve="1">
   <p:cSld name="Title, 6 Content">
     <p:spTree>
       <p:nvGrpSpPr>
@@ -596,7 +820,8 @@
           </a:prstGeom>
         </p:spPr>
         <p:txBody>
-          <a:bodyPr lIns="0" rIns="0" tIns="0" bIns="0" anchor="ctr"/>
+          <a:bodyPr lIns="0" tIns="0" rIns="0" bIns="0" anchor="ctr"/>
+          <a:lstStyle/>
           <a:p>
             <a:endParaRPr/>
           </a:p>
@@ -622,7 +847,8 @@
           </a:prstGeom>
         </p:spPr>
         <p:txBody>
-          <a:bodyPr lIns="0" rIns="0" tIns="0" bIns="0"/>
+          <a:bodyPr lIns="0" tIns="0" rIns="0" bIns="0"/>
+          <a:lstStyle/>
           <a:p>
             <a:endParaRPr/>
           </a:p>
@@ -648,7 +874,8 @@
           </a:prstGeom>
         </p:spPr>
         <p:txBody>
-          <a:bodyPr lIns="0" rIns="0" tIns="0" bIns="0"/>
+          <a:bodyPr lIns="0" tIns="0" rIns="0" bIns="0"/>
+          <a:lstStyle/>
           <a:p>
             <a:endParaRPr/>
           </a:p>
@@ -656,7 +883,7 @@
       </p:sp>
       <p:pic>
         <p:nvPicPr>
-          <p:cNvPr id="37" name="" descr=""/>
+          <p:cNvPr id="37" name="Image 36"/>
           <p:cNvPicPr/>
           <p:nvPr/>
         </p:nvPicPr>
@@ -681,12 +908,12 @@
       </p:pic>
       <p:pic>
         <p:nvPicPr>
-          <p:cNvPr id="38" name="" descr=""/>
+          <p:cNvPr id="38" name="Image 37"/>
           <p:cNvPicPr/>
           <p:nvPr/>
         </p:nvPicPr>
         <p:blipFill>
-          <a:blip r:embed="rId3"/>
+          <a:blip r:embed="rId2"/>
           <a:stretch>
             <a:fillRect/>
           </a:stretch>
@@ -706,11 +933,14 @@
       </p:pic>
     </p:spTree>
   </p:cSld>
+  <p:clrMapOvr>
+    <a:masterClrMapping/>
+  </p:clrMapOvr>
 </p:sldLayout>
 </file>
 
 <file path=ppt/slideLayouts/slideLayout2.xml><?xml version="1.0" encoding="utf-8"?>
-<p:sldLayout xmlns:a="http://schemas.openxmlformats.org/drawingml/2006/main" xmlns:p="http://schemas.openxmlformats.org/presentationml/2006/main" xmlns:r="http://schemas.openxmlformats.org/officeDocument/2006/relationships" type="tx" preserve="1">
+<p:sldLayout xmlns:a="http://schemas.openxmlformats.org/drawingml/2006/main" xmlns:r="http://schemas.openxmlformats.org/officeDocument/2006/relationships" xmlns:p="http://schemas.openxmlformats.org/presentationml/2006/main" type="tx" preserve="1">
   <p:cSld name="Title Slide">
     <p:spTree>
       <p:nvGrpSpPr>
@@ -746,7 +976,8 @@
           </a:prstGeom>
         </p:spPr>
         <p:txBody>
-          <a:bodyPr lIns="0" rIns="0" tIns="0" bIns="0" anchor="ctr"/>
+          <a:bodyPr lIns="0" tIns="0" rIns="0" bIns="0" anchor="ctr"/>
+          <a:lstStyle/>
           <a:p>
             <a:endParaRPr/>
           </a:p>
@@ -772,7 +1003,8 @@
           </a:prstGeom>
         </p:spPr>
         <p:txBody>
-          <a:bodyPr lIns="0" rIns="0" tIns="0" bIns="0" anchor="ctr"/>
+          <a:bodyPr lIns="0" tIns="0" rIns="0" bIns="0" anchor="ctr"/>
+          <a:lstStyle/>
           <a:p>
             <a:pPr algn="ctr"/>
             <a:endParaRPr/>
@@ -781,11 +1013,14 @@
       </p:sp>
     </p:spTree>
   </p:cSld>
+  <p:clrMapOvr>
+    <a:masterClrMapping/>
+  </p:clrMapOvr>
 </p:sldLayout>
 </file>
 
 <file path=ppt/slideLayouts/slideLayout3.xml><?xml version="1.0" encoding="utf-8"?>
-<p:sldLayout xmlns:a="http://schemas.openxmlformats.org/drawingml/2006/main" xmlns:p="http://schemas.openxmlformats.org/presentationml/2006/main" xmlns:r="http://schemas.openxmlformats.org/officeDocument/2006/relationships" type="obj" preserve="1">
+<p:sldLayout xmlns:a="http://schemas.openxmlformats.org/drawingml/2006/main" xmlns:r="http://schemas.openxmlformats.org/officeDocument/2006/relationships" xmlns:p="http://schemas.openxmlformats.org/presentationml/2006/main" type="obj" preserve="1">
   <p:cSld name="Title, Content">
     <p:spTree>
       <p:nvGrpSpPr>
@@ -821,7 +1056,8 @@
           </a:prstGeom>
         </p:spPr>
         <p:txBody>
-          <a:bodyPr lIns="0" rIns="0" tIns="0" bIns="0" anchor="ctr"/>
+          <a:bodyPr lIns="0" tIns="0" rIns="0" bIns="0" anchor="ctr"/>
+          <a:lstStyle/>
           <a:p>
             <a:endParaRPr/>
           </a:p>
@@ -847,7 +1083,8 @@
           </a:prstGeom>
         </p:spPr>
         <p:txBody>
-          <a:bodyPr lIns="0" rIns="0" tIns="0" bIns="0"/>
+          <a:bodyPr lIns="0" tIns="0" rIns="0" bIns="0"/>
+          <a:lstStyle/>
           <a:p>
             <a:endParaRPr/>
           </a:p>
@@ -855,11 +1092,14 @@
       </p:sp>
     </p:spTree>
   </p:cSld>
+  <p:clrMapOvr>
+    <a:masterClrMapping/>
+  </p:clrMapOvr>
 </p:sldLayout>
 </file>
 
 <file path=ppt/slideLayouts/slideLayout4.xml><?xml version="1.0" encoding="utf-8"?>
-<p:sldLayout xmlns:a="http://schemas.openxmlformats.org/drawingml/2006/main" xmlns:p="http://schemas.openxmlformats.org/presentationml/2006/main" xmlns:r="http://schemas.openxmlformats.org/officeDocument/2006/relationships" type="twoObj" preserve="1">
+<p:sldLayout xmlns:a="http://schemas.openxmlformats.org/drawingml/2006/main" xmlns:r="http://schemas.openxmlformats.org/officeDocument/2006/relationships" xmlns:p="http://schemas.openxmlformats.org/presentationml/2006/main" type="twoObj" preserve="1">
   <p:cSld name="Title, 2 Content">
     <p:spTree>
       <p:nvGrpSpPr>
@@ -895,7 +1135,8 @@
           </a:prstGeom>
         </p:spPr>
         <p:txBody>
-          <a:bodyPr lIns="0" rIns="0" tIns="0" bIns="0" anchor="ctr"/>
+          <a:bodyPr lIns="0" tIns="0" rIns="0" bIns="0" anchor="ctr"/>
+          <a:lstStyle/>
           <a:p>
             <a:endParaRPr/>
           </a:p>
@@ -921,7 +1162,8 @@
           </a:prstGeom>
         </p:spPr>
         <p:txBody>
-          <a:bodyPr lIns="0" rIns="0" tIns="0" bIns="0"/>
+          <a:bodyPr lIns="0" tIns="0" rIns="0" bIns="0"/>
+          <a:lstStyle/>
           <a:p>
             <a:endParaRPr/>
           </a:p>
@@ -947,7 +1189,8 @@
           </a:prstGeom>
         </p:spPr>
         <p:txBody>
-          <a:bodyPr lIns="0" rIns="0" tIns="0" bIns="0"/>
+          <a:bodyPr lIns="0" tIns="0" rIns="0" bIns="0"/>
+          <a:lstStyle/>
           <a:p>
             <a:endParaRPr/>
           </a:p>
@@ -955,11 +1198,14 @@
       </p:sp>
     </p:spTree>
   </p:cSld>
+  <p:clrMapOvr>
+    <a:masterClrMapping/>
+  </p:clrMapOvr>
 </p:sldLayout>
 </file>
 
 <file path=ppt/slideLayouts/slideLayout5.xml><?xml version="1.0" encoding="utf-8"?>
-<p:sldLayout xmlns:a="http://schemas.openxmlformats.org/drawingml/2006/main" xmlns:p="http://schemas.openxmlformats.org/presentationml/2006/main" xmlns:r="http://schemas.openxmlformats.org/officeDocument/2006/relationships" type="titleOnly" preserve="1">
+<p:sldLayout xmlns:a="http://schemas.openxmlformats.org/drawingml/2006/main" xmlns:r="http://schemas.openxmlformats.org/officeDocument/2006/relationships" xmlns:p="http://schemas.openxmlformats.org/presentationml/2006/main" type="titleOnly" preserve="1">
   <p:cSld name="Title Only">
     <p:spTree>
       <p:nvGrpSpPr>
@@ -995,7 +1241,8 @@
           </a:prstGeom>
         </p:spPr>
         <p:txBody>
-          <a:bodyPr lIns="0" rIns="0" tIns="0" bIns="0" anchor="ctr"/>
+          <a:bodyPr lIns="0" tIns="0" rIns="0" bIns="0" anchor="ctr"/>
+          <a:lstStyle/>
           <a:p>
             <a:endParaRPr/>
           </a:p>
@@ -1003,11 +1250,14 @@
       </p:sp>
     </p:spTree>
   </p:cSld>
+  <p:clrMapOvr>
+    <a:masterClrMapping/>
+  </p:clrMapOvr>
 </p:sldLayout>
 </file>
 
 <file path=ppt/slideLayouts/slideLayout6.xml><?xml version="1.0" encoding="utf-8"?>
-<p:sldLayout xmlns:a="http://schemas.openxmlformats.org/drawingml/2006/main" xmlns:p="http://schemas.openxmlformats.org/presentationml/2006/main" xmlns:r="http://schemas.openxmlformats.org/officeDocument/2006/relationships" type="objOnly" preserve="1">
+<p:sldLayout xmlns:a="http://schemas.openxmlformats.org/drawingml/2006/main" xmlns:r="http://schemas.openxmlformats.org/officeDocument/2006/relationships" xmlns:p="http://schemas.openxmlformats.org/presentationml/2006/main" type="objOnly" preserve="1">
   <p:cSld name="Centered Text">
     <p:spTree>
       <p:nvGrpSpPr>
@@ -1043,7 +1293,8 @@
           </a:prstGeom>
         </p:spPr>
         <p:txBody>
-          <a:bodyPr lIns="0" rIns="0" tIns="0" bIns="0" anchor="ctr"/>
+          <a:bodyPr lIns="0" tIns="0" rIns="0" bIns="0" anchor="ctr"/>
+          <a:lstStyle/>
           <a:p>
             <a:pPr algn="ctr"/>
             <a:endParaRPr/>
@@ -1052,11 +1303,14 @@
       </p:sp>
     </p:spTree>
   </p:cSld>
+  <p:clrMapOvr>
+    <a:masterClrMapping/>
+  </p:clrMapOvr>
 </p:sldLayout>
 </file>
 
 <file path=ppt/slideLayouts/slideLayout7.xml><?xml version="1.0" encoding="utf-8"?>
-<p:sldLayout xmlns:a="http://schemas.openxmlformats.org/drawingml/2006/main" xmlns:p="http://schemas.openxmlformats.org/presentationml/2006/main" xmlns:r="http://schemas.openxmlformats.org/officeDocument/2006/relationships" type="twoObjAndObj" preserve="1">
+<p:sldLayout xmlns:a="http://schemas.openxmlformats.org/drawingml/2006/main" xmlns:r="http://schemas.openxmlformats.org/officeDocument/2006/relationships" xmlns:p="http://schemas.openxmlformats.org/presentationml/2006/main" type="twoObjAndObj" preserve="1">
   <p:cSld name="Title, 2 Content and Content">
     <p:spTree>
       <p:nvGrpSpPr>
@@ -1092,7 +1346,8 @@
           </a:prstGeom>
         </p:spPr>
         <p:txBody>
-          <a:bodyPr lIns="0" rIns="0" tIns="0" bIns="0" anchor="ctr"/>
+          <a:bodyPr lIns="0" tIns="0" rIns="0" bIns="0" anchor="ctr"/>
+          <a:lstStyle/>
           <a:p>
             <a:endParaRPr/>
           </a:p>
@@ -1118,7 +1373,8 @@
           </a:prstGeom>
         </p:spPr>
         <p:txBody>
-          <a:bodyPr lIns="0" rIns="0" tIns="0" bIns="0"/>
+          <a:bodyPr lIns="0" tIns="0" rIns="0" bIns="0"/>
+          <a:lstStyle/>
           <a:p>
             <a:endParaRPr/>
           </a:p>
@@ -1144,7 +1400,8 @@
           </a:prstGeom>
         </p:spPr>
         <p:txBody>
-          <a:bodyPr lIns="0" rIns="0" tIns="0" bIns="0"/>
+          <a:bodyPr lIns="0" tIns="0" rIns="0" bIns="0"/>
+          <a:lstStyle/>
           <a:p>
             <a:endParaRPr/>
           </a:p>
@@ -1170,7 +1427,8 @@
           </a:prstGeom>
         </p:spPr>
         <p:txBody>
-          <a:bodyPr lIns="0" rIns="0" tIns="0" bIns="0"/>
+          <a:bodyPr lIns="0" tIns="0" rIns="0" bIns="0"/>
+          <a:lstStyle/>
           <a:p>
             <a:endParaRPr/>
           </a:p>
@@ -1178,11 +1436,14 @@
       </p:sp>
     </p:spTree>
   </p:cSld>
+  <p:clrMapOvr>
+    <a:masterClrMapping/>
+  </p:clrMapOvr>
 </p:sldLayout>
 </file>
 
 <file path=ppt/slideLayouts/slideLayout8.xml><?xml version="1.0" encoding="utf-8"?>
-<p:sldLayout xmlns:a="http://schemas.openxmlformats.org/drawingml/2006/main" xmlns:p="http://schemas.openxmlformats.org/presentationml/2006/main" xmlns:r="http://schemas.openxmlformats.org/officeDocument/2006/relationships" type="objAndTwoObj" preserve="1">
+<p:sldLayout xmlns:a="http://schemas.openxmlformats.org/drawingml/2006/main" xmlns:r="http://schemas.openxmlformats.org/officeDocument/2006/relationships" xmlns:p="http://schemas.openxmlformats.org/presentationml/2006/main" type="objAndTwoObj" preserve="1">
   <p:cSld name="Title Content and 2 Content">
     <p:spTree>
       <p:nvGrpSpPr>
@@ -1218,7 +1479,8 @@
           </a:prstGeom>
         </p:spPr>
         <p:txBody>
-          <a:bodyPr lIns="0" rIns="0" tIns="0" bIns="0" anchor="ctr"/>
+          <a:bodyPr lIns="0" tIns="0" rIns="0" bIns="0" anchor="ctr"/>
+          <a:lstStyle/>
           <a:p>
             <a:endParaRPr/>
           </a:p>
@@ -1244,7 +1506,8 @@
           </a:prstGeom>
         </p:spPr>
         <p:txBody>
-          <a:bodyPr lIns="0" rIns="0" tIns="0" bIns="0"/>
+          <a:bodyPr lIns="0" tIns="0" rIns="0" bIns="0"/>
+          <a:lstStyle/>
           <a:p>
             <a:endParaRPr/>
           </a:p>
@@ -1270,7 +1533,8 @@
           </a:prstGeom>
         </p:spPr>
         <p:txBody>
-          <a:bodyPr lIns="0" rIns="0" tIns="0" bIns="0"/>
+          <a:bodyPr lIns="0" tIns="0" rIns="0" bIns="0"/>
+          <a:lstStyle/>
           <a:p>
             <a:endParaRPr/>
           </a:p>
@@ -1296,7 +1560,8 @@
           </a:prstGeom>
         </p:spPr>
         <p:txBody>
-          <a:bodyPr lIns="0" rIns="0" tIns="0" bIns="0"/>
+          <a:bodyPr lIns="0" tIns="0" rIns="0" bIns="0"/>
+          <a:lstStyle/>
           <a:p>
             <a:endParaRPr/>
           </a:p>
@@ -1304,11 +1569,14 @@
       </p:sp>
     </p:spTree>
   </p:cSld>
+  <p:clrMapOvr>
+    <a:masterClrMapping/>
+  </p:clrMapOvr>
 </p:sldLayout>
 </file>
 
 <file path=ppt/slideLayouts/slideLayout9.xml><?xml version="1.0" encoding="utf-8"?>
-<p:sldLayout xmlns:a="http://schemas.openxmlformats.org/drawingml/2006/main" xmlns:p="http://schemas.openxmlformats.org/presentationml/2006/main" xmlns:r="http://schemas.openxmlformats.org/officeDocument/2006/relationships" type="twoObjOverTx" preserve="1">
+<p:sldLayout xmlns:a="http://schemas.openxmlformats.org/drawingml/2006/main" xmlns:r="http://schemas.openxmlformats.org/officeDocument/2006/relationships" xmlns:p="http://schemas.openxmlformats.org/presentationml/2006/main" type="twoObjOverTx" preserve="1">
   <p:cSld name="Title, 2 Content over Content">
     <p:spTree>
       <p:nvGrpSpPr>
@@ -1344,7 +1612,8 @@
           </a:prstGeom>
         </p:spPr>
         <p:txBody>
-          <a:bodyPr lIns="0" rIns="0" tIns="0" bIns="0" anchor="ctr"/>
+          <a:bodyPr lIns="0" tIns="0" rIns="0" bIns="0" anchor="ctr"/>
+          <a:lstStyle/>
           <a:p>
             <a:endParaRPr/>
           </a:p>
@@ -1370,7 +1639,8 @@
           </a:prstGeom>
         </p:spPr>
         <p:txBody>
-          <a:bodyPr lIns="0" rIns="0" tIns="0" bIns="0"/>
+          <a:bodyPr lIns="0" tIns="0" rIns="0" bIns="0"/>
+          <a:lstStyle/>
           <a:p>
             <a:endParaRPr/>
           </a:p>
@@ -1396,7 +1666,8 @@
           </a:prstGeom>
         </p:spPr>
         <p:txBody>
-          <a:bodyPr lIns="0" rIns="0" tIns="0" bIns="0"/>
+          <a:bodyPr lIns="0" tIns="0" rIns="0" bIns="0"/>
+          <a:lstStyle/>
           <a:p>
             <a:endParaRPr/>
           </a:p>
@@ -1422,7 +1693,8 @@
           </a:prstGeom>
         </p:spPr>
         <p:txBody>
-          <a:bodyPr lIns="0" rIns="0" tIns="0" bIns="0"/>
+          <a:bodyPr lIns="0" tIns="0" rIns="0" bIns="0"/>
+          <a:lstStyle/>
           <a:p>
             <a:endParaRPr/>
           </a:p>
@@ -1430,17 +1702,21 @@
       </p:sp>
     </p:spTree>
   </p:cSld>
+  <p:clrMapOvr>
+    <a:masterClrMapping/>
+  </p:clrMapOvr>
 </p:sldLayout>
 </file>
 
 <file path=ppt/slideMasters/slideMaster1.xml><?xml version="1.0" encoding="utf-8"?>
-<p:sldMaster xmlns:a="http://schemas.openxmlformats.org/drawingml/2006/main" xmlns:p="http://schemas.openxmlformats.org/presentationml/2006/main" xmlns:r="http://schemas.openxmlformats.org/officeDocument/2006/relationships">
+<p:sldMaster xmlns:a="http://schemas.openxmlformats.org/drawingml/2006/main" xmlns:r="http://schemas.openxmlformats.org/officeDocument/2006/relationships" xmlns:p="http://schemas.openxmlformats.org/presentationml/2006/main">
   <p:cSld>
     <p:bg>
       <p:bgPr>
         <a:solidFill>
-          <a:srgbClr val="ffffff"/>
+          <a:srgbClr val="FFFFFF"/>
         </a:solidFill>
+        <a:effectLst/>
       </p:bgPr>
     </p:bg>
     <p:spTree>
@@ -1459,7 +1735,7 @@
       </p:grpSpPr>
       <p:sp>
         <p:nvSpPr>
-          <p:cNvPr id="0" name="PlaceHolder 1"/>
+          <p:cNvPr id="5" name="PlaceHolder 1"/>
           <p:cNvSpPr>
             <a:spLocks noGrp="1"/>
           </p:cNvSpPr>
@@ -1478,6 +1754,7 @@
         </p:spPr>
         <p:txBody>
           <a:bodyPr anchor="ctr"/>
+          <a:lstStyle/>
           <a:p>
             <a:pPr algn="ctr">
               <a:lnSpc>
@@ -1499,7 +1776,7 @@
       </p:sp>
       <p:sp>
         <p:nvSpPr>
-          <p:cNvPr id="1" name="PlaceHolder 2"/>
+          <p:cNvPr id="6" name="PlaceHolder 2"/>
           <p:cNvSpPr>
             <a:spLocks noGrp="1"/>
           </p:cNvSpPr>
@@ -1518,6 +1795,7 @@
         </p:spPr>
         <p:txBody>
           <a:bodyPr anchor="ctr"/>
+          <a:lstStyle/>
           <a:p>
             <a:pPr>
               <a:lnSpc>
@@ -1527,7 +1805,7 @@
             <a:r>
               <a:rPr lang="en-US" sz="1200">
                 <a:solidFill>
-                  <a:srgbClr val="8b8b8b"/>
+                  <a:srgbClr val="8B8B8B"/>
                 </a:solidFill>
                 <a:latin typeface="Calibri"/>
               </a:rPr>
@@ -1558,6 +1836,7 @@
         </p:spPr>
         <p:txBody>
           <a:bodyPr anchor="ctr"/>
+          <a:lstStyle/>
           <a:p>
             <a:endParaRPr/>
           </a:p>
@@ -1584,6 +1863,7 @@
         </p:spPr>
         <p:txBody>
           <a:bodyPr anchor="ctr"/>
+          <a:lstStyle/>
           <a:p>
             <a:pPr algn="r">
               <a:lnSpc>
@@ -1593,11 +1873,11 @@
             <a:fld id="{BC9041FB-E3D0-4A3E-BB53-4E652A83BED2}" type="slidenum">
               <a:rPr lang="en-US" sz="1200">
                 <a:solidFill>
-                  <a:srgbClr val="8b8b8b"/>
+                  <a:srgbClr val="8B8B8B"/>
                 </a:solidFill>
                 <a:latin typeface="Calibri"/>
               </a:rPr>
-              <a:t>&lt;number&gt;</a:t>
+              <a:t>‹N°›</a:t>
             </a:fld>
             <a:endParaRPr/>
           </a:p>
@@ -1623,7 +1903,8 @@
           </a:prstGeom>
         </p:spPr>
         <p:txBody>
-          <a:bodyPr lIns="0" rIns="0" tIns="0" bIns="0"/>
+          <a:bodyPr lIns="0" tIns="0" rIns="0" bIns="0"/>
+          <a:lstStyle/>
           <a:p>
             <a:pPr>
               <a:buSzPct val="45000"/>
@@ -1726,26 +2007,31 @@
       </p:sp>
     </p:spTree>
   </p:cSld>
-  <p:clrMap bg1="lt1" bg2="lt2" tx1="dk1" tx2="dk2" accent1="accent1" accent2="accent2" accent3="accent3" accent4="accent4" accent5="accent5" accent6="accent6" hlink="hlink" folHlink="folHlink"/>
+  <p:clrMap bg1="lt1" tx1="dk1" bg2="lt2" tx2="dk2" accent1="accent1" accent2="accent2" accent3="accent3" accent4="accent4" accent5="accent5" accent6="accent6" hlink="hlink" folHlink="folHlink"/>
   <p:sldLayoutIdLst>
-    <p:sldLayoutId id="2147483649" r:id="rId2"/>
-    <p:sldLayoutId id="2147483650" r:id="rId3"/>
-    <p:sldLayoutId id="2147483651" r:id="rId4"/>
-    <p:sldLayoutId id="2147483652" r:id="rId5"/>
-    <p:sldLayoutId id="2147483653" r:id="rId6"/>
-    <p:sldLayoutId id="2147483654" r:id="rId7"/>
-    <p:sldLayoutId id="2147483655" r:id="rId8"/>
-    <p:sldLayoutId id="2147483656" r:id="rId9"/>
-    <p:sldLayoutId id="2147483657" r:id="rId10"/>
-    <p:sldLayoutId id="2147483658" r:id="rId11"/>
-    <p:sldLayoutId id="2147483659" r:id="rId12"/>
-    <p:sldLayoutId id="2147483660" r:id="rId13"/>
+    <p:sldLayoutId id="2147483649" r:id="rId1"/>
+    <p:sldLayoutId id="2147483650" r:id="rId2"/>
+    <p:sldLayoutId id="2147483651" r:id="rId3"/>
+    <p:sldLayoutId id="2147483652" r:id="rId4"/>
+    <p:sldLayoutId id="2147483653" r:id="rId5"/>
+    <p:sldLayoutId id="2147483654" r:id="rId6"/>
+    <p:sldLayoutId id="2147483655" r:id="rId7"/>
+    <p:sldLayoutId id="2147483656" r:id="rId8"/>
+    <p:sldLayoutId id="2147483657" r:id="rId9"/>
+    <p:sldLayoutId id="2147483658" r:id="rId10"/>
+    <p:sldLayoutId id="2147483659" r:id="rId11"/>
+    <p:sldLayoutId id="2147483660" r:id="rId12"/>
   </p:sldLayoutIdLst>
+  <p:txStyles>
+    <p:titleStyle/>
+    <p:bodyStyle/>
+    <p:otherStyle/>
+  </p:txStyles>
 </p:sldMaster>
 </file>
 
 <file path=ppt/slides/slide1.xml><?xml version="1.0" encoding="utf-8"?>
-<p:sld xmlns:a="http://schemas.openxmlformats.org/drawingml/2006/main" xmlns:p="http://schemas.openxmlformats.org/presentationml/2006/main" xmlns:r="http://schemas.openxmlformats.org/officeDocument/2006/relationships">
+<p:sld xmlns:a="http://schemas.openxmlformats.org/drawingml/2006/main" xmlns:r="http://schemas.openxmlformats.org/officeDocument/2006/relationships" xmlns:p="http://schemas.openxmlformats.org/presentationml/2006/main">
   <p:cSld>
     <p:spTree>
       <p:nvGrpSpPr>
@@ -1763,72 +2049,21 @@
       </p:grpSpPr>
       <p:pic>
         <p:nvPicPr>
-          <p:cNvPr id="44" name="Picture 7" descr=""/>
-          <p:cNvPicPr/>
-          <p:nvPr/>
-        </p:nvPicPr>
-        <p:blipFill>
-          <a:blip r:embed="rId1"/>
-          <a:srcRect l="7405" t="0" r="0" b="0"/>
-          <a:stretch>
-            <a:fillRect/>
-          </a:stretch>
-        </p:blipFill>
-        <p:spPr>
-          <a:xfrm>
-            <a:off x="7938000" y="288000"/>
-            <a:ext cx="4843080" cy="4692240"/>
-          </a:xfrm>
-          <a:prstGeom prst="rect">
-            <a:avLst/>
-          </a:prstGeom>
-          <a:ln>
-            <a:noFill/>
-          </a:ln>
-        </p:spPr>
-      </p:pic>
-      <p:pic>
-        <p:nvPicPr>
-          <p:cNvPr id="45" name="Picture 2" descr=""/>
-          <p:cNvPicPr/>
-          <p:nvPr/>
-        </p:nvPicPr>
-        <p:blipFill>
-          <a:blip r:embed="rId2"/>
-          <a:stretch>
-            <a:fillRect/>
-          </a:stretch>
-        </p:blipFill>
-        <p:spPr>
-          <a:xfrm>
-            <a:off x="-81360" y="288000"/>
-            <a:ext cx="4086000" cy="4692240"/>
-          </a:xfrm>
-          <a:prstGeom prst="rect">
-            <a:avLst/>
-          </a:prstGeom>
-          <a:ln>
-            <a:noFill/>
-          </a:ln>
-        </p:spPr>
-      </p:pic>
-      <p:pic>
-        <p:nvPicPr>
-          <p:cNvPr id="46" name="Picture 12" descr=""/>
+          <p:cNvPr id="44" name="Picture 7"/>
           <p:cNvPicPr/>
           <p:nvPr/>
         </p:nvPicPr>
         <p:blipFill>
           <a:blip r:embed="rId3"/>
-          <a:srcRect l="7928" t="0" r="0" b="0"/>
+          <a:srcRect l="7405"/>
           <a:stretch>
             <a:fillRect/>
           </a:stretch>
         </p:blipFill>
         <p:spPr>
           <a:xfrm>
-            <a:off x="3983040" y="288000"/>
-            <a:ext cx="3762000" cy="4692240"/>
+            <a:off x="7938000" y="288000"/>
+            <a:ext cx="4843080" cy="4692240"/>
           </a:xfrm>
           <a:prstGeom prst="rect">
             <a:avLst/>
@@ -1840,21 +2075,70 @@
       </p:pic>
       <p:pic>
         <p:nvPicPr>
-          <p:cNvPr id="47" name="Picture 8" descr=""/>
+          <p:cNvPr id="45" name="Picture 2"/>
           <p:cNvPicPr/>
           <p:nvPr/>
         </p:nvPicPr>
         <p:blipFill>
           <a:blip r:embed="rId4"/>
-          <a:srcRect l="0" t="-528" r="8250" b="0"/>
           <a:stretch>
             <a:fillRect/>
           </a:stretch>
         </p:blipFill>
         <p:spPr>
           <a:xfrm>
-            <a:off x="7407720" y="360000"/>
-            <a:ext cx="3357360" cy="1744560"/>
+            <a:off x="-81360" y="288000"/>
+            <a:ext cx="4086000" cy="4692240"/>
+          </a:xfrm>
+          <a:prstGeom prst="rect">
+            <a:avLst/>
+          </a:prstGeom>
+          <a:ln>
+            <a:noFill/>
+          </a:ln>
+        </p:spPr>
+      </p:pic>
+      <p:pic>
+        <p:nvPicPr>
+          <p:cNvPr id="46" name="Picture 12"/>
+          <p:cNvPicPr/>
+          <p:nvPr/>
+        </p:nvPicPr>
+        <p:blipFill>
+          <a:blip r:embed="rId5"/>
+          <a:srcRect l="7928"/>
+          <a:stretch>
+            <a:fillRect/>
+          </a:stretch>
+        </p:blipFill>
+        <p:spPr>
+          <a:xfrm>
+            <a:off x="3983040" y="288000"/>
+            <a:ext cx="3762000" cy="4692240"/>
+          </a:xfrm>
+          <a:prstGeom prst="rect">
+            <a:avLst/>
+          </a:prstGeom>
+          <a:ln>
+            <a:noFill/>
+          </a:ln>
+        </p:spPr>
+      </p:pic>
+      <p:pic>
+        <p:nvPicPr>
+          <p:cNvPr id="47" name="Picture 8"/>
+          <p:cNvPicPr/>
+          <p:nvPr/>
+        </p:nvPicPr>
+        <p:blipFill rotWithShape="1">
+          <a:blip r:embed="rId6"/>
+          <a:srcRect t="5561" r="8250"/>
+          <a:stretch/>
+        </p:blipFill>
+        <p:spPr>
+          <a:xfrm>
+            <a:off x="7407720" y="521224"/>
+            <a:ext cx="3357360" cy="1638892"/>
           </a:xfrm>
           <a:prstGeom prst="rect">
             <a:avLst/>
@@ -1884,7 +2168,8 @@
           </a:ln>
         </p:spPr>
         <p:txBody>
-          <a:bodyPr wrap="none" lIns="90000" rIns="90000" tIns="45000" bIns="45000"/>
+          <a:bodyPr wrap="none" lIns="90000" tIns="45000" rIns="90000" bIns="45000"/>
+          <a:lstStyle/>
           <a:p>
             <a:pPr>
               <a:lnSpc>
@@ -1924,7 +2209,8 @@
           </a:ln>
         </p:spPr>
         <p:txBody>
-          <a:bodyPr wrap="none" lIns="90000" rIns="90000" tIns="45000" bIns="45000"/>
+          <a:bodyPr wrap="none" lIns="90000" tIns="45000" rIns="90000" bIns="45000"/>
+          <a:lstStyle/>
           <a:p>
             <a:pPr>
               <a:lnSpc>
@@ -1964,7 +2250,8 @@
           </a:ln>
         </p:spPr>
         <p:txBody>
-          <a:bodyPr wrap="none" lIns="90000" rIns="90000" tIns="45000" bIns="45000"/>
+          <a:bodyPr wrap="none" lIns="90000" tIns="45000" rIns="90000" bIns="45000"/>
+          <a:lstStyle/>
           <a:p>
             <a:pPr>
               <a:lnSpc>
@@ -1999,18 +2286,69 @@
             <a:avLst/>
           </a:prstGeom>
           <a:solidFill>
-            <a:srgbClr val="ffffff"/>
+            <a:srgbClr val="FFFFFF"/>
           </a:solidFill>
           <a:ln w="25560">
             <a:solidFill>
-              <a:srgbClr val="ffffff"/>
+              <a:srgbClr val="FFFFFF"/>
             </a:solidFill>
             <a:round/>
           </a:ln>
         </p:spPr>
       </p:sp>
+      <p:pic>
+        <p:nvPicPr>
+          <p:cNvPr id="10" name="Picture 2"/>
+          <p:cNvPicPr/>
+          <p:nvPr/>
+        </p:nvPicPr>
+        <p:blipFill rotWithShape="1">
+          <a:blip r:embed="rId4"/>
+          <a:srcRect l="71751" t="12385" r="12748" b="83606"/>
+          <a:stretch/>
+        </p:blipFill>
+        <p:spPr>
+          <a:xfrm>
+            <a:off x="6603478" y="891877"/>
+            <a:ext cx="633413" cy="188119"/>
+          </a:xfrm>
+          <a:prstGeom prst="rect">
+            <a:avLst/>
+          </a:prstGeom>
+          <a:ln>
+            <a:noFill/>
+          </a:ln>
+        </p:spPr>
+      </p:pic>
+      <p:pic>
+        <p:nvPicPr>
+          <p:cNvPr id="13" name="Picture 2"/>
+          <p:cNvPicPr/>
+          <p:nvPr/>
+        </p:nvPicPr>
+        <p:blipFill rotWithShape="1">
+          <a:blip r:embed="rId4"/>
+          <a:srcRect l="71751" t="12385" r="12748" b="83606"/>
+          <a:stretch/>
+        </p:blipFill>
+        <p:spPr>
+          <a:xfrm>
+            <a:off x="11701387" y="891877"/>
+            <a:ext cx="633413" cy="188119"/>
+          </a:xfrm>
+          <a:prstGeom prst="rect">
+            <a:avLst/>
+          </a:prstGeom>
+          <a:ln>
+            <a:noFill/>
+          </a:ln>
+        </p:spPr>
+      </p:pic>
     </p:spTree>
   </p:cSld>
+  <p:clrMapOvr>
+    <a:masterClrMapping/>
+  </p:clrMapOvr>
   <p:timing>
     <p:tnLst>
       <p:par>
@@ -2019,14 +2357,14 @@
             <p:seq>
               <p:cTn id="2" nodeType="mainSeq"/>
               <p:prevCondLst>
-                <p:cond delay="0" evt="onPrev">
+                <p:cond evt="onPrev" delay="0">
                   <p:tgtEl>
                     <p:sldTgt/>
                   </p:tgtEl>
                 </p:cond>
               </p:prevCondLst>
               <p:nextCondLst>
-                <p:cond delay="0" evt="onNext">
+                <p:cond evt="onNext" delay="0">
                   <p:tgtEl>
                     <p:sldTgt/>
                   </p:tgtEl>
@@ -2261,6 +2599,8 @@
       </a:bgFillStyleLst>
     </a:fmtScheme>
   </a:themeElements>
+  <a:objectDefaults/>
+  <a:extraClrSchemeLst/>
 </a:theme>
 </file>
 
@@ -2484,5 +2824,7 @@
       </a:bgFillStyleLst>
     </a:fmtScheme>
   </a:themeElements>
+  <a:objectDefaults/>
+  <a:extraClrSchemeLst/>
 </a:theme>
 </file>